--- a/SE-2016A-G08-软件测试/SE-2016A-G08-软件测试评审.pptx
+++ b/SE-2016A-G08-软件测试/SE-2016A-G08-软件测试评审.pptx
@@ -5,23 +5,24 @@
     <p:sldMasterId id="2147483660" r:id="rId1"/>
   </p:sldMasterIdLst>
   <p:notesMasterIdLst>
-    <p:notesMasterId r:id="rId16"/>
+    <p:notesMasterId r:id="rId17"/>
   </p:notesMasterIdLst>
   <p:sldIdLst>
     <p:sldId id="257" r:id="rId2"/>
     <p:sldId id="268" r:id="rId3"/>
     <p:sldId id="259" r:id="rId4"/>
-    <p:sldId id="258" r:id="rId5"/>
-    <p:sldId id="260" r:id="rId6"/>
-    <p:sldId id="261" r:id="rId7"/>
-    <p:sldId id="262" r:id="rId8"/>
-    <p:sldId id="263" r:id="rId9"/>
-    <p:sldId id="264" r:id="rId10"/>
-    <p:sldId id="265" r:id="rId11"/>
-    <p:sldId id="266" r:id="rId12"/>
-    <p:sldId id="267" r:id="rId13"/>
-    <p:sldId id="269" r:id="rId14"/>
-    <p:sldId id="270" r:id="rId15"/>
+    <p:sldId id="271" r:id="rId5"/>
+    <p:sldId id="258" r:id="rId6"/>
+    <p:sldId id="260" r:id="rId7"/>
+    <p:sldId id="261" r:id="rId8"/>
+    <p:sldId id="262" r:id="rId9"/>
+    <p:sldId id="263" r:id="rId10"/>
+    <p:sldId id="264" r:id="rId11"/>
+    <p:sldId id="265" r:id="rId12"/>
+    <p:sldId id="266" r:id="rId13"/>
+    <p:sldId id="267" r:id="rId14"/>
+    <p:sldId id="269" r:id="rId15"/>
+    <p:sldId id="270" r:id="rId16"/>
   </p:sldIdLst>
   <p:sldSz cx="12192000" cy="6858000"/>
   <p:notesSz cx="6858000" cy="9144000"/>
@@ -120,6 +121,11 @@
       </a:defRPr>
     </a:lvl9pPr>
   </p:defaultTextStyle>
+  <p:extLst>
+    <p:ext uri="{EFAFB233-063F-42B5-8137-9DF3F51BA10A}">
+      <p15:sldGuideLst xmlns:p15="http://schemas.microsoft.com/office/powerpoint/2012/main"/>
+    </p:ext>
+  </p:extLst>
 </p:presentation>
 </file>
 
@@ -300,7 +306,6 @@
               <a:rPr lang="zh-CN" altLang="en-US"/>
               <a:t>第五级</a:t>
             </a:r>
-            <a:endParaRPr lang="zh-CN" altLang="en-US"/>
           </a:p>
         </p:txBody>
       </p:sp>
@@ -7106,6 +7111,210 @@
                 <a:latin typeface="微软雅黑" panose="020B0503020204020204" pitchFamily="34" charset="-122"/>
                 <a:ea typeface="微软雅黑" panose="020B0503020204020204" pitchFamily="34" charset="-122"/>
               </a:rPr>
+              <a:t>登录注册</a:t>
+            </a:r>
+            <a:endParaRPr lang="zh-CN" altLang="en-US" dirty="0"/>
+          </a:p>
+        </p:txBody>
+      </p:sp>
+      <p:sp>
+        <p:nvSpPr>
+          <p:cNvPr id="3" name="内容占位符 2"/>
+          <p:cNvSpPr>
+            <a:spLocks noGrp="1"/>
+          </p:cNvSpPr>
+          <p:nvPr>
+            <p:ph idx="1"/>
+          </p:nvPr>
+        </p:nvSpPr>
+        <p:spPr>
+          <a:xfrm>
+            <a:off x="646111" y="1447801"/>
+            <a:ext cx="9199853" cy="688973"/>
+          </a:xfrm>
+        </p:spPr>
+        <p:txBody>
+          <a:bodyPr/>
+          <a:lstStyle/>
+          <a:p>
+            <a:r>
+              <a:rPr lang="zh-CN" altLang="en-US" dirty="0">
+                <a:latin typeface="微软雅黑" panose="020B0503020204020204" pitchFamily="34" charset="-122"/>
+                <a:ea typeface="微软雅黑" panose="020B0503020204020204" pitchFamily="34" charset="-122"/>
+              </a:rPr>
+              <a:t>登录注册模块测试结果：</a:t>
+            </a:r>
+            <a:endParaRPr lang="en-US" altLang="zh-CN" dirty="0">
+              <a:latin typeface="微软雅黑" panose="020B0503020204020204" pitchFamily="34" charset="-122"/>
+              <a:ea typeface="微软雅黑" panose="020B0503020204020204" pitchFamily="34" charset="-122"/>
+            </a:endParaRPr>
+          </a:p>
+          <a:p>
+            <a:endParaRPr lang="zh-CN" altLang="en-US" dirty="0">
+              <a:latin typeface="微软雅黑" panose="020B0503020204020204" pitchFamily="34" charset="-122"/>
+              <a:ea typeface="微软雅黑" panose="020B0503020204020204" pitchFamily="34" charset="-122"/>
+            </a:endParaRPr>
+          </a:p>
+        </p:txBody>
+      </p:sp>
+      <p:pic>
+        <p:nvPicPr>
+          <p:cNvPr id="5" name="图片 4">
+            <a:hlinkClick r:id="rId2" action="ppaction://hlinksldjump"/>
+          </p:cNvPr>
+          <p:cNvPicPr>
+            <a:picLocks noChangeAspect="1"/>
+          </p:cNvPicPr>
+          <p:nvPr/>
+        </p:nvPicPr>
+        <p:blipFill>
+          <a:blip r:embed="rId3">
+            <a:extLst>
+              <a:ext uri="{28A0092B-C50C-407E-A947-70E740481C1C}">
+                <a14:useLocalDpi xmlns:a14="http://schemas.microsoft.com/office/drawing/2010/main" val="0"/>
+              </a:ext>
+            </a:extLst>
+          </a:blip>
+          <a:stretch>
+            <a:fillRect/>
+          </a:stretch>
+        </p:blipFill>
+        <p:spPr>
+          <a:xfrm>
+            <a:off x="10200811" y="338461"/>
+            <a:ext cx="1109339" cy="1109339"/>
+          </a:xfrm>
+          <a:prstGeom prst="rect">
+            <a:avLst/>
+          </a:prstGeom>
+        </p:spPr>
+      </p:pic>
+      <p:pic>
+        <p:nvPicPr>
+          <p:cNvPr id="1026" name="图片 1"/>
+          <p:cNvPicPr>
+            <a:picLocks noChangeAspect="1" noChangeArrowheads="1"/>
+          </p:cNvPicPr>
+          <p:nvPr/>
+        </p:nvPicPr>
+        <p:blipFill>
+          <a:blip r:embed="rId4">
+            <a:extLst>
+              <a:ext uri="{28A0092B-C50C-407E-A947-70E740481C1C}">
+                <a14:useLocalDpi xmlns:a14="http://schemas.microsoft.com/office/drawing/2010/main" val="0"/>
+              </a:ext>
+            </a:extLst>
+          </a:blip>
+          <a:srcRect/>
+          <a:stretch>
+            <a:fillRect/>
+          </a:stretch>
+        </p:blipFill>
+        <p:spPr bwMode="auto">
+          <a:xfrm>
+            <a:off x="632336" y="2136774"/>
+            <a:ext cx="9568483" cy="1059008"/>
+          </a:xfrm>
+          <a:prstGeom prst="rect">
+            <a:avLst/>
+          </a:prstGeom>
+          <a:noFill/>
+          <a:ln>
+            <a:noFill/>
+          </a:ln>
+          <a:extLst>
+            <a:ext uri="{909E8E84-426E-40DD-AFC4-6F175D3DCCD1}">
+              <a14:hiddenFill xmlns:a14="http://schemas.microsoft.com/office/drawing/2010/main">
+                <a:solidFill>
+                  <a:srgbClr val="FFFFFF"/>
+                </a:solidFill>
+              </a14:hiddenFill>
+            </a:ext>
+            <a:ext uri="{91240B29-F687-4F45-9708-019B960494DF}">
+              <a14:hiddenLine xmlns:a14="http://schemas.microsoft.com/office/drawing/2010/main" w="9525">
+                <a:solidFill>
+                  <a:srgbClr val="000000"/>
+                </a:solidFill>
+                <a:miter lim="800000"/>
+                <a:headEnd/>
+                <a:tailEnd/>
+              </a14:hiddenLine>
+            </a:ext>
+          </a:extLst>
+        </p:spPr>
+      </p:pic>
+    </p:spTree>
+    <p:extLst>
+      <p:ext uri="{BB962C8B-B14F-4D97-AF65-F5344CB8AC3E}">
+        <p14:creationId xmlns:p14="http://schemas.microsoft.com/office/powerpoint/2010/main" val="580526153"/>
+      </p:ext>
+    </p:extLst>
+  </p:cSld>
+  <p:clrMapOvr>
+    <a:masterClrMapping/>
+  </p:clrMapOvr>
+  <p:transition spd="med">
+    <p:pull/>
+  </p:transition>
+</p:sld>
+</file>
+
+<file path=ppt/slides/slide11.xml><?xml version="1.0" encoding="utf-8"?>
+<p:sld xmlns:a="http://schemas.openxmlformats.org/drawingml/2006/main" xmlns:r="http://schemas.openxmlformats.org/officeDocument/2006/relationships" xmlns:p="http://schemas.openxmlformats.org/presentationml/2006/main">
+  <p:cSld>
+    <p:spTree>
+      <p:nvGrpSpPr>
+        <p:cNvPr id="1" name=""/>
+        <p:cNvGrpSpPr/>
+        <p:nvPr/>
+      </p:nvGrpSpPr>
+      <p:grpSpPr>
+        <a:xfrm>
+          <a:off x="0" y="0"/>
+          <a:ext cx="0" cy="0"/>
+          <a:chOff x="0" y="0"/>
+          <a:chExt cx="0" cy="0"/>
+        </a:xfrm>
+      </p:grpSpPr>
+      <p:sp>
+        <p:nvSpPr>
+          <p:cNvPr id="2" name="标题 1"/>
+          <p:cNvSpPr>
+            <a:spLocks noGrp="1"/>
+          </p:cNvSpPr>
+          <p:nvPr>
+            <p:ph type="title"/>
+          </p:nvPr>
+        </p:nvSpPr>
+        <p:spPr>
+          <a:xfrm>
+            <a:off x="646111" y="452718"/>
+            <a:ext cx="9404723" cy="995082"/>
+          </a:xfrm>
+        </p:spPr>
+        <p:txBody>
+          <a:bodyPr/>
+          <a:lstStyle/>
+          <a:p>
+            <a:r>
+              <a:rPr lang="zh-CN" altLang="en-US" dirty="0">
+                <a:latin typeface="微软雅黑" panose="020B0503020204020204" pitchFamily="34" charset="-122"/>
+                <a:ea typeface="微软雅黑" panose="020B0503020204020204" pitchFamily="34" charset="-122"/>
+              </a:rPr>
+              <a:t>白盒测试</a:t>
+            </a:r>
+            <a:r>
+              <a:rPr lang="en-US" altLang="zh-CN" dirty="0">
+                <a:latin typeface="微软雅黑" panose="020B0503020204020204" pitchFamily="34" charset="-122"/>
+                <a:ea typeface="微软雅黑" panose="020B0503020204020204" pitchFamily="34" charset="-122"/>
+              </a:rPr>
+              <a:t>-</a:t>
+            </a:r>
+            <a:r>
+              <a:rPr lang="zh-CN" altLang="en-US" dirty="0">
+                <a:latin typeface="微软雅黑" panose="020B0503020204020204" pitchFamily="34" charset="-122"/>
+                <a:ea typeface="微软雅黑" panose="020B0503020204020204" pitchFamily="34" charset="-122"/>
+              </a:rPr>
               <a:t>显示历史数据</a:t>
             </a:r>
           </a:p>
@@ -7332,10 +7541,13 @@
   <p:clrMapOvr>
     <a:masterClrMapping/>
   </p:clrMapOvr>
+  <p:transition spd="med">
+    <p:pull/>
+  </p:transition>
 </p:sld>
 </file>
 
-<file path=ppt/slides/slide11.xml><?xml version="1.0" encoding="utf-8"?>
+<file path=ppt/slides/slide12.xml><?xml version="1.0" encoding="utf-8"?>
 <p:sld xmlns:a="http://schemas.openxmlformats.org/drawingml/2006/main" xmlns:r="http://schemas.openxmlformats.org/officeDocument/2006/relationships" xmlns:p="http://schemas.openxmlformats.org/presentationml/2006/main">
   <p:cSld>
     <p:spTree>
@@ -7746,10 +7958,13 @@
   <p:clrMapOvr>
     <a:masterClrMapping/>
   </p:clrMapOvr>
+  <p:transition spd="med">
+    <p:pull/>
+  </p:transition>
 </p:sld>
 </file>
 
-<file path=ppt/slides/slide12.xml><?xml version="1.0" encoding="utf-8"?>
+<file path=ppt/slides/slide13.xml><?xml version="1.0" encoding="utf-8"?>
 <p:sld xmlns:a="http://schemas.openxmlformats.org/drawingml/2006/main" xmlns:r="http://schemas.openxmlformats.org/officeDocument/2006/relationships" xmlns:p="http://schemas.openxmlformats.org/presentationml/2006/main">
   <p:cSld>
     <p:spTree>
@@ -7941,10 +8156,13 @@
   <p:clrMapOvr>
     <a:masterClrMapping/>
   </p:clrMapOvr>
+  <p:transition spd="med">
+    <p:pull/>
+  </p:transition>
 </p:sld>
 </file>
 
-<file path=ppt/slides/slide13.xml><?xml version="1.0" encoding="utf-8"?>
+<file path=ppt/slides/slide14.xml><?xml version="1.0" encoding="utf-8"?>
 <p:sld xmlns:a="http://schemas.openxmlformats.org/drawingml/2006/main" xmlns:r="http://schemas.openxmlformats.org/officeDocument/2006/relationships" xmlns:p="http://schemas.openxmlformats.org/presentationml/2006/main">
   <p:cSld>
     <p:spTree>
@@ -8151,10 +8369,22 @@
   <p:clrMapOvr>
     <a:masterClrMapping/>
   </p:clrMapOvr>
+  <mc:AlternateContent xmlns:mc="http://schemas.openxmlformats.org/markup-compatibility/2006">
+    <mc:Choice xmlns:p15="http://schemas.microsoft.com/office/powerpoint/2012/main" Requires="p15">
+      <p:transition xmlns:p14="http://schemas.microsoft.com/office/powerpoint/2010/main" spd="slow" p14:dur="6000">
+        <p15:prstTrans prst="curtains"/>
+      </p:transition>
+    </mc:Choice>
+    <mc:Fallback>
+      <p:transition spd="slow">
+        <p:fade/>
+      </p:transition>
+    </mc:Fallback>
+  </mc:AlternateContent>
 </p:sld>
 </file>
 
-<file path=ppt/slides/slide14.xml><?xml version="1.0" encoding="utf-8"?>
+<file path=ppt/slides/slide15.xml><?xml version="1.0" encoding="utf-8"?>
 <p:sld xmlns:a="http://schemas.openxmlformats.org/drawingml/2006/main" xmlns:r="http://schemas.openxmlformats.org/officeDocument/2006/relationships" xmlns:p="http://schemas.openxmlformats.org/presentationml/2006/main">
   <p:cSld>
     <p:spTree>
@@ -8280,6 +8510,9 @@
   <p:clrMapOvr>
     <a:masterClrMapping/>
   </p:clrMapOvr>
+  <p:transition spd="med">
+    <p:pull/>
+  </p:transition>
 </p:sld>
 </file>
 
@@ -8371,23 +8604,7 @@
                 <a:ea typeface="微软雅黑" panose="020B0503020204020204" pitchFamily="34" charset="-122"/>
                 <a:hlinkClick r:id="rId3" action="ppaction://hlinksldjump"/>
               </a:rPr>
-              <a:t>白盒测试</a:t>
-            </a:r>
-            <a:r>
-              <a:rPr lang="en-US" altLang="zh-CN" dirty="0">
-                <a:latin typeface="微软雅黑" panose="020B0503020204020204" pitchFamily="34" charset="-122"/>
-                <a:ea typeface="微软雅黑" panose="020B0503020204020204" pitchFamily="34" charset="-122"/>
-                <a:hlinkClick r:id="rId3" action="ppaction://hlinksldjump"/>
-              </a:rPr>
-              <a:t>-</a:t>
-            </a:r>
-            <a:r>
-              <a:rPr lang="zh-CN" altLang="en-US" dirty="0">
-                <a:latin typeface="微软雅黑" panose="020B0503020204020204" pitchFamily="34" charset="-122"/>
-                <a:ea typeface="微软雅黑" panose="020B0503020204020204" pitchFamily="34" charset="-122"/>
-                <a:hlinkClick r:id="rId3" action="ppaction://hlinksldjump"/>
-              </a:rPr>
-              <a:t>登录注册</a:t>
+              <a:t>程序清单</a:t>
             </a:r>
             <a:endParaRPr lang="en-US" altLang="zh-CN" dirty="0">
               <a:latin typeface="微软雅黑" panose="020B0503020204020204" pitchFamily="34" charset="-122"/>
@@ -8417,7 +8634,7 @@
                 <a:ea typeface="微软雅黑" panose="020B0503020204020204" pitchFamily="34" charset="-122"/>
                 <a:hlinkClick r:id="rId4" action="ppaction://hlinksldjump"/>
               </a:rPr>
-              <a:t>显示历史数据</a:t>
+              <a:t>登录注册</a:t>
             </a:r>
             <a:endParaRPr lang="en-US" altLang="zh-CN" dirty="0">
               <a:latin typeface="微软雅黑" panose="020B0503020204020204" pitchFamily="34" charset="-122"/>
@@ -8431,7 +8648,23 @@
                 <a:ea typeface="微软雅黑" panose="020B0503020204020204" pitchFamily="34" charset="-122"/>
                 <a:hlinkClick r:id="rId5" action="ppaction://hlinksldjump"/>
               </a:rPr>
-              <a:t>小组贡献</a:t>
+              <a:t>白盒测试</a:t>
+            </a:r>
+            <a:r>
+              <a:rPr lang="en-US" altLang="zh-CN" dirty="0">
+                <a:latin typeface="微软雅黑" panose="020B0503020204020204" pitchFamily="34" charset="-122"/>
+                <a:ea typeface="微软雅黑" panose="020B0503020204020204" pitchFamily="34" charset="-122"/>
+                <a:hlinkClick r:id="rId5" action="ppaction://hlinksldjump"/>
+              </a:rPr>
+              <a:t>-</a:t>
+            </a:r>
+            <a:r>
+              <a:rPr lang="zh-CN" altLang="en-US" dirty="0">
+                <a:latin typeface="微软雅黑" panose="020B0503020204020204" pitchFamily="34" charset="-122"/>
+                <a:ea typeface="微软雅黑" panose="020B0503020204020204" pitchFamily="34" charset="-122"/>
+                <a:hlinkClick r:id="rId5" action="ppaction://hlinksldjump"/>
+              </a:rPr>
+              <a:t>显示历史数据</a:t>
             </a:r>
             <a:endParaRPr lang="en-US" altLang="zh-CN" dirty="0">
               <a:latin typeface="微软雅黑" panose="020B0503020204020204" pitchFamily="34" charset="-122"/>
@@ -8440,10 +8673,24 @@
           </a:p>
           <a:p>
             <a:r>
+              <a:rPr lang="zh-CN" altLang="en-US" dirty="0">
+                <a:latin typeface="微软雅黑" panose="020B0503020204020204" pitchFamily="34" charset="-122"/>
+                <a:ea typeface="微软雅黑" panose="020B0503020204020204" pitchFamily="34" charset="-122"/>
+                <a:hlinkClick r:id="rId6" action="ppaction://hlinksldjump"/>
+              </a:rPr>
+              <a:t>小组贡献</a:t>
+            </a:r>
+            <a:endParaRPr lang="en-US" altLang="zh-CN" dirty="0">
+              <a:latin typeface="微软雅黑" panose="020B0503020204020204" pitchFamily="34" charset="-122"/>
+              <a:ea typeface="微软雅黑" panose="020B0503020204020204" pitchFamily="34" charset="-122"/>
+            </a:endParaRPr>
+          </a:p>
+          <a:p>
+            <a:r>
               <a:rPr lang="en-US" altLang="zh-CN" dirty="0">
                 <a:latin typeface="微软雅黑" panose="020B0503020204020204" pitchFamily="34" charset="-122"/>
                 <a:ea typeface="微软雅黑" panose="020B0503020204020204" pitchFamily="34" charset="-122"/>
-                <a:hlinkClick r:id="rId6" action="ppaction://hlinksldjump"/>
+                <a:hlinkClick r:id="rId7" action="ppaction://hlinksldjump"/>
               </a:rPr>
               <a:t>Reference</a:t>
             </a:r>
@@ -8457,7 +8704,7 @@
       <p:pic>
         <p:nvPicPr>
           <p:cNvPr id="4" name="图片 3">
-            <a:hlinkClick r:id="rId7" action="ppaction://hlinksldjump"/>
+            <a:hlinkClick r:id="rId8" action="ppaction://hlinksldjump"/>
           </p:cNvPr>
           <p:cNvPicPr>
             <a:picLocks noChangeAspect="1"/>
@@ -8465,7 +8712,7 @@
           <p:nvPr/>
         </p:nvPicPr>
         <p:blipFill>
-          <a:blip r:embed="rId8">
+          <a:blip r:embed="rId9">
             <a:extLst>
               <a:ext uri="{28A0092B-C50C-407E-A947-70E740481C1C}">
                 <a14:useLocalDpi xmlns:a14="http://schemas.microsoft.com/office/drawing/2010/main" val="0"/>
@@ -8496,6 +8743,9 @@
   <p:clrMapOvr>
     <a:masterClrMapping/>
   </p:clrMapOvr>
+  <p:transition spd="med">
+    <p:pull/>
+  </p:transition>
 </p:sld>
 </file>
 
@@ -8810,57 +9060,61 @@
           <a:lstStyle/>
           <a:p>
             <a:r>
-              <a:rPr lang="zh-CN" altLang="en-US" dirty="0">
-                <a:latin typeface="微软雅黑" panose="020B0503020204020204" pitchFamily="34" charset="-122"/>
-                <a:ea typeface="微软雅黑" panose="020B0503020204020204" pitchFamily="34" charset="-122"/>
-              </a:rPr>
-              <a:t>白盒测试</a:t>
-            </a:r>
+              <a:rPr lang="zh-CN" altLang="en-US" sz="4400" dirty="0">
+                <a:latin typeface="微软雅黑" panose="020B0503020204020204" pitchFamily="34" charset="-122"/>
+                <a:ea typeface="微软雅黑" panose="020B0503020204020204" pitchFamily="34" charset="-122"/>
+              </a:rPr>
+              <a:t>程序清单</a:t>
+            </a:r>
+            <a:endParaRPr lang="zh-CN" altLang="en-US" dirty="0"/>
+          </a:p>
+        </p:txBody>
+      </p:sp>
+      <p:sp>
+        <p:nvSpPr>
+          <p:cNvPr id="3" name="内容占位符 2"/>
+          <p:cNvSpPr>
+            <a:spLocks noGrp="1"/>
+          </p:cNvSpPr>
+          <p:nvPr>
+            <p:ph idx="1"/>
+          </p:nvPr>
+        </p:nvSpPr>
+        <p:spPr>
+          <a:xfrm>
+            <a:off x="646111" y="1447800"/>
+            <a:ext cx="9554700" cy="5192697"/>
+          </a:xfrm>
+        </p:spPr>
+        <p:txBody>
+          <a:bodyPr/>
+          <a:lstStyle/>
+          <a:p>
+            <a:pPr>
+              <a:lnSpc>
+                <a:spcPct val="150000"/>
+              </a:lnSpc>
+            </a:pPr>
             <a:r>
               <a:rPr lang="en-US" altLang="zh-CN" dirty="0">
                 <a:latin typeface="微软雅黑" panose="020B0503020204020204" pitchFamily="34" charset="-122"/>
                 <a:ea typeface="微软雅黑" panose="020B0503020204020204" pitchFamily="34" charset="-122"/>
               </a:rPr>
-              <a:t>-</a:t>
-            </a:r>
-            <a:r>
-              <a:rPr lang="zh-CN" altLang="en-US" dirty="0">
-                <a:latin typeface="微软雅黑" panose="020B0503020204020204" pitchFamily="34" charset="-122"/>
-                <a:ea typeface="微软雅黑" panose="020B0503020204020204" pitchFamily="34" charset="-122"/>
-              </a:rPr>
-              <a:t>登录注册</a:t>
-            </a:r>
-          </a:p>
-        </p:txBody>
-      </p:sp>
-      <p:sp>
-        <p:nvSpPr>
-          <p:cNvPr id="3" name="内容占位符 2"/>
-          <p:cNvSpPr>
-            <a:spLocks noGrp="1"/>
-          </p:cNvSpPr>
-          <p:nvPr>
-            <p:ph idx="1"/>
-          </p:nvPr>
-        </p:nvSpPr>
-        <p:spPr>
-          <a:xfrm>
-            <a:off x="646111" y="1447800"/>
-            <a:ext cx="9554700" cy="5211618"/>
-          </a:xfrm>
-        </p:spPr>
-        <p:txBody>
-          <a:bodyPr>
-            <a:normAutofit fontScale="92500" lnSpcReduction="20000"/>
-          </a:bodyPr>
-          <a:lstStyle/>
-          <a:p>
-            <a:r>
-              <a:rPr lang="zh-CN" altLang="en-US" dirty="0">
-                <a:latin typeface="微软雅黑" panose="020B0503020204020204" pitchFamily="34" charset="-122"/>
-                <a:ea typeface="微软雅黑" panose="020B0503020204020204" pitchFamily="34" charset="-122"/>
-              </a:rPr>
-              <a:t>模块名称：登录注册</a:t>
+              <a:t>Arduino:</a:t>
+            </a:r>
+          </a:p>
+          <a:p>
+            <a:pPr lvl="1">
+              <a:lnSpc>
+                <a:spcPct val="150000"/>
+              </a:lnSpc>
+            </a:pPr>
+            <a:r>
+              <a:rPr lang="en-US" altLang="zh-CN" dirty="0" err="1">
+                <a:latin typeface="微软雅黑" panose="020B0503020204020204" pitchFamily="34" charset="-122"/>
+                <a:ea typeface="微软雅黑" panose="020B0503020204020204" pitchFamily="34" charset="-122"/>
+              </a:rPr>
+              <a:t>WeatherBaseArduino</a:t>
             </a:r>
             <a:endParaRPr lang="en-US" altLang="zh-CN" dirty="0">
               <a:latin typeface="微软雅黑" panose="020B0503020204020204" pitchFamily="34" charset="-122"/>
@@ -8868,130 +9122,88 @@
             </a:endParaRPr>
           </a:p>
           <a:p>
-            <a:r>
-              <a:rPr lang="zh-CN" altLang="en-US" dirty="0">
-                <a:latin typeface="微软雅黑" panose="020B0503020204020204" pitchFamily="34" charset="-122"/>
-                <a:ea typeface="微软雅黑" panose="020B0503020204020204" pitchFamily="34" charset="-122"/>
-              </a:rPr>
-              <a:t>功能名称：注册</a:t>
-            </a:r>
+            <a:pPr>
+              <a:lnSpc>
+                <a:spcPct val="150000"/>
+              </a:lnSpc>
+            </a:pPr>
             <a:endParaRPr lang="en-US" altLang="zh-CN" dirty="0">
               <a:latin typeface="微软雅黑" panose="020B0503020204020204" pitchFamily="34" charset="-122"/>
               <a:ea typeface="微软雅黑" panose="020B0503020204020204" pitchFamily="34" charset="-122"/>
             </a:endParaRPr>
           </a:p>
           <a:p>
-            <a:r>
-              <a:rPr lang="zh-CN" altLang="en-US" dirty="0">
-                <a:latin typeface="微软雅黑" panose="020B0503020204020204" pitchFamily="34" charset="-122"/>
-                <a:ea typeface="微软雅黑" panose="020B0503020204020204" pitchFamily="34" charset="-122"/>
-              </a:rPr>
-              <a:t>测试输入格式：用户名，邮箱，密码，确认密码</a:t>
-            </a:r>
+            <a:pPr>
+              <a:lnSpc>
+                <a:spcPct val="150000"/>
+              </a:lnSpc>
+            </a:pPr>
             <a:endParaRPr lang="en-US" altLang="zh-CN" dirty="0">
               <a:latin typeface="微软雅黑" panose="020B0503020204020204" pitchFamily="34" charset="-122"/>
               <a:ea typeface="微软雅黑" panose="020B0503020204020204" pitchFamily="34" charset="-122"/>
             </a:endParaRPr>
           </a:p>
           <a:p>
-            <a:r>
-              <a:rPr lang="zh-CN" altLang="en-US" dirty="0">
-                <a:latin typeface="微软雅黑" panose="020B0503020204020204" pitchFamily="34" charset="-122"/>
-                <a:ea typeface="微软雅黑" panose="020B0503020204020204" pitchFamily="34" charset="-122"/>
-              </a:rPr>
-              <a:t>测试样例：</a:t>
-            </a:r>
-            <a:endParaRPr lang="en-US" altLang="zh-CN" dirty="0"/>
-          </a:p>
-          <a:p>
+            <a:pPr marL="0" indent="0">
+              <a:lnSpc>
+                <a:spcPct val="150000"/>
+              </a:lnSpc>
+              <a:buNone/>
+            </a:pPr>
+            <a:endParaRPr lang="en-US" altLang="zh-CN" dirty="0">
+              <a:latin typeface="微软雅黑" panose="020B0503020204020204" pitchFamily="34" charset="-122"/>
+              <a:ea typeface="微软雅黑" panose="020B0503020204020204" pitchFamily="34" charset="-122"/>
+            </a:endParaRPr>
+          </a:p>
+          <a:p>
+            <a:pPr>
+              <a:lnSpc>
+                <a:spcPct val="150000"/>
+              </a:lnSpc>
+            </a:pPr>
             <a:r>
               <a:rPr lang="en-US" altLang="zh-CN" dirty="0">
                 <a:latin typeface="微软雅黑" panose="020B0503020204020204" pitchFamily="34" charset="-122"/>
                 <a:ea typeface="微软雅黑" panose="020B0503020204020204" pitchFamily="34" charset="-122"/>
               </a:rPr>
-              <a:t>"admin","510022482@qq.com","123456","123456“</a:t>
-            </a:r>
-          </a:p>
-          <a:p>
-            <a:r>
-              <a:rPr lang="en-US" altLang="zh-CN" dirty="0">
-                <a:latin typeface="微软雅黑" panose="020B0503020204020204" pitchFamily="34" charset="-122"/>
-                <a:ea typeface="微软雅黑" panose="020B0503020204020204" pitchFamily="34" charset="-122"/>
-              </a:rPr>
-              <a:t>"admin1","5100224821@qq.com","123456","123415“</a:t>
-            </a:r>
-          </a:p>
-          <a:p>
-            <a:r>
-              <a:rPr lang="en-US" altLang="zh-CN" dirty="0">
-                <a:latin typeface="微软雅黑" panose="020B0503020204020204" pitchFamily="34" charset="-122"/>
-                <a:ea typeface="微软雅黑" panose="020B0503020204020204" pitchFamily="34" charset="-122"/>
-              </a:rPr>
-              <a:t>"","5100224822@qq.com","123456","123456“</a:t>
-            </a:r>
-          </a:p>
-          <a:p>
-            <a:r>
-              <a:rPr lang="en-US" altLang="zh-CN" dirty="0">
-                <a:latin typeface="微软雅黑" panose="020B0503020204020204" pitchFamily="34" charset="-122"/>
-                <a:ea typeface="微软雅黑" panose="020B0503020204020204" pitchFamily="34" charset="-122"/>
-              </a:rPr>
-              <a:t>"admin2","","123456","123456“</a:t>
-            </a:r>
-          </a:p>
-          <a:p>
-            <a:r>
-              <a:rPr lang="en-US" altLang="zh-CN" dirty="0">
-                <a:latin typeface="微软雅黑" panose="020B0503020204020204" pitchFamily="34" charset="-122"/>
-                <a:ea typeface="微软雅黑" panose="020B0503020204020204" pitchFamily="34" charset="-122"/>
-              </a:rPr>
-              <a:t>"admin3","5100224823@qq.com","","123456“</a:t>
-            </a:r>
-          </a:p>
-          <a:p>
-            <a:r>
-              <a:rPr lang="en-US" altLang="zh-CN" dirty="0">
-                <a:latin typeface="微软雅黑" panose="020B0503020204020204" pitchFamily="34" charset="-122"/>
-                <a:ea typeface="微软雅黑" panose="020B0503020204020204" pitchFamily="34" charset="-122"/>
-              </a:rPr>
-              <a:t>"admin4","5100224823@qq.com","123456","“</a:t>
-            </a:r>
-          </a:p>
-          <a:p>
-            <a:r>
-              <a:rPr lang="en-US" altLang="zh-CN" dirty="0">
-                <a:latin typeface="微软雅黑" panose="020B0503020204020204" pitchFamily="34" charset="-122"/>
-                <a:ea typeface="微软雅黑" panose="020B0503020204020204" pitchFamily="34" charset="-122"/>
-              </a:rPr>
-              <a:t>"admin5","5100224824qq.com","123456","123456“</a:t>
-            </a:r>
-          </a:p>
-          <a:p>
-            <a:r>
-              <a:rPr lang="en-US" altLang="zh-CN" dirty="0">
-                <a:latin typeface="微软雅黑" panose="020B0503020204020204" pitchFamily="34" charset="-122"/>
-                <a:ea typeface="微软雅黑" panose="020B0503020204020204" pitchFamily="34" charset="-122"/>
-              </a:rPr>
-              <a:t>"admin","510022482@qq.com","123456","123456“</a:t>
-            </a:r>
-          </a:p>
-          <a:p>
-            <a:r>
-              <a:rPr lang="en-US" altLang="zh-CN" dirty="0">
-                <a:latin typeface="微软雅黑" panose="020B0503020204020204" pitchFamily="34" charset="-122"/>
-                <a:ea typeface="微软雅黑" panose="020B0503020204020204" pitchFamily="34" charset="-122"/>
-              </a:rPr>
-              <a:t>"admin","5100224825@qq.com","123456","123456“</a:t>
-            </a:r>
-          </a:p>
-          <a:p>
-            <a:r>
-              <a:rPr lang="en-US" altLang="zh-CN" dirty="0">
-                <a:latin typeface="微软雅黑" panose="020B0503020204020204" pitchFamily="34" charset="-122"/>
-                <a:ea typeface="微软雅黑" panose="020B0503020204020204" pitchFamily="34" charset="-122"/>
-              </a:rPr>
-              <a:t>"admin6","510022482@qq.com","123456","123456"</a:t>
-            </a:r>
+              <a:t>Android:</a:t>
+            </a:r>
+          </a:p>
+          <a:p>
+            <a:pPr lvl="1">
+              <a:lnSpc>
+                <a:spcPct val="150000"/>
+              </a:lnSpc>
+            </a:pPr>
+            <a:r>
+              <a:rPr lang="en-US" altLang="zh-CN" dirty="0" err="1">
+                <a:latin typeface="微软雅黑" panose="020B0503020204020204" pitchFamily="34" charset="-122"/>
+                <a:ea typeface="微软雅黑" panose="020B0503020204020204" pitchFamily="34" charset="-122"/>
+              </a:rPr>
+              <a:t>UbibotsWeatherBase</a:t>
+            </a:r>
+            <a:endParaRPr lang="en-US" altLang="zh-CN" dirty="0">
+              <a:latin typeface="微软雅黑" panose="020B0503020204020204" pitchFamily="34" charset="-122"/>
+              <a:ea typeface="微软雅黑" panose="020B0503020204020204" pitchFamily="34" charset="-122"/>
+            </a:endParaRPr>
+          </a:p>
+          <a:p>
+            <a:pPr lvl="1">
+              <a:lnSpc>
+                <a:spcPct val="150000"/>
+              </a:lnSpc>
+            </a:pPr>
+            <a:r>
+              <a:rPr lang="en-US" altLang="zh-CN" dirty="0" err="1">
+                <a:latin typeface="微软雅黑" panose="020B0503020204020204" pitchFamily="34" charset="-122"/>
+                <a:ea typeface="微软雅黑" panose="020B0503020204020204" pitchFamily="34" charset="-122"/>
+              </a:rPr>
+              <a:t>RegistAndLogin</a:t>
+            </a:r>
+            <a:endParaRPr lang="en-US" altLang="zh-CN" dirty="0">
+              <a:latin typeface="微软雅黑" panose="020B0503020204020204" pitchFamily="34" charset="-122"/>
+              <a:ea typeface="微软雅黑" panose="020B0503020204020204" pitchFamily="34" charset="-122"/>
+            </a:endParaRPr>
           </a:p>
         </p:txBody>
       </p:sp>
@@ -9030,13 +9242,16 @@
     </p:spTree>
     <p:extLst>
       <p:ext uri="{BB962C8B-B14F-4D97-AF65-F5344CB8AC3E}">
-        <p14:creationId xmlns:p14="http://schemas.microsoft.com/office/powerpoint/2010/main" val="161811455"/>
+        <p14:creationId xmlns:p14="http://schemas.microsoft.com/office/powerpoint/2010/main" val="3704062554"/>
       </p:ext>
     </p:extLst>
   </p:cSld>
   <p:clrMapOvr>
     <a:masterClrMapping/>
   </p:clrMapOvr>
+  <p:transition spd="med">
+    <p:pull/>
+  </p:transition>
 </p:sld>
 </file>
 
@@ -9098,7 +9313,168 @@
               </a:rPr>
               <a:t>登录注册</a:t>
             </a:r>
-            <a:endParaRPr lang="zh-CN" altLang="en-US" dirty="0"/>
+          </a:p>
+        </p:txBody>
+      </p:sp>
+      <p:sp>
+        <p:nvSpPr>
+          <p:cNvPr id="3" name="内容占位符 2"/>
+          <p:cNvSpPr>
+            <a:spLocks noGrp="1"/>
+          </p:cNvSpPr>
+          <p:nvPr>
+            <p:ph idx="1"/>
+          </p:nvPr>
+        </p:nvSpPr>
+        <p:spPr>
+          <a:xfrm>
+            <a:off x="646111" y="1447800"/>
+            <a:ext cx="9554700" cy="5211618"/>
+          </a:xfrm>
+        </p:spPr>
+        <p:txBody>
+          <a:bodyPr>
+            <a:normAutofit fontScale="92500" lnSpcReduction="20000"/>
+          </a:bodyPr>
+          <a:lstStyle/>
+          <a:p>
+            <a:r>
+              <a:rPr lang="zh-CN" altLang="en-US" dirty="0">
+                <a:latin typeface="微软雅黑" panose="020B0503020204020204" pitchFamily="34" charset="-122"/>
+                <a:ea typeface="微软雅黑" panose="020B0503020204020204" pitchFamily="34" charset="-122"/>
+              </a:rPr>
+              <a:t>模块名称：登录注册</a:t>
+            </a:r>
+            <a:endParaRPr lang="en-US" altLang="zh-CN" dirty="0">
+              <a:latin typeface="微软雅黑" panose="020B0503020204020204" pitchFamily="34" charset="-122"/>
+              <a:ea typeface="微软雅黑" panose="020B0503020204020204" pitchFamily="34" charset="-122"/>
+            </a:endParaRPr>
+          </a:p>
+          <a:p>
+            <a:r>
+              <a:rPr lang="zh-CN" altLang="en-US" dirty="0">
+                <a:latin typeface="微软雅黑" panose="020B0503020204020204" pitchFamily="34" charset="-122"/>
+                <a:ea typeface="微软雅黑" panose="020B0503020204020204" pitchFamily="34" charset="-122"/>
+              </a:rPr>
+              <a:t>功能名称：注册</a:t>
+            </a:r>
+            <a:endParaRPr lang="en-US" altLang="zh-CN" dirty="0">
+              <a:latin typeface="微软雅黑" panose="020B0503020204020204" pitchFamily="34" charset="-122"/>
+              <a:ea typeface="微软雅黑" panose="020B0503020204020204" pitchFamily="34" charset="-122"/>
+            </a:endParaRPr>
+          </a:p>
+          <a:p>
+            <a:r>
+              <a:rPr lang="zh-CN" altLang="en-US" dirty="0">
+                <a:latin typeface="微软雅黑" panose="020B0503020204020204" pitchFamily="34" charset="-122"/>
+                <a:ea typeface="微软雅黑" panose="020B0503020204020204" pitchFamily="34" charset="-122"/>
+              </a:rPr>
+              <a:t>测试输入格式：用户名，邮箱，密码，确认密码</a:t>
+            </a:r>
+            <a:endParaRPr lang="en-US" altLang="zh-CN" dirty="0">
+              <a:latin typeface="微软雅黑" panose="020B0503020204020204" pitchFamily="34" charset="-122"/>
+              <a:ea typeface="微软雅黑" panose="020B0503020204020204" pitchFamily="34" charset="-122"/>
+            </a:endParaRPr>
+          </a:p>
+          <a:p>
+            <a:r>
+              <a:rPr lang="zh-CN" altLang="en-US" dirty="0">
+                <a:latin typeface="微软雅黑" panose="020B0503020204020204" pitchFamily="34" charset="-122"/>
+                <a:ea typeface="微软雅黑" panose="020B0503020204020204" pitchFamily="34" charset="-122"/>
+              </a:rPr>
+              <a:t>测试样例：</a:t>
+            </a:r>
+            <a:endParaRPr lang="en-US" altLang="zh-CN" dirty="0"/>
+          </a:p>
+          <a:p>
+            <a:r>
+              <a:rPr lang="en-US" altLang="zh-CN" dirty="0">
+                <a:latin typeface="微软雅黑" panose="020B0503020204020204" pitchFamily="34" charset="-122"/>
+                <a:ea typeface="微软雅黑" panose="020B0503020204020204" pitchFamily="34" charset="-122"/>
+              </a:rPr>
+              <a:t>"admin","510022482@qq.com","123456","123456“</a:t>
+            </a:r>
+          </a:p>
+          <a:p>
+            <a:r>
+              <a:rPr lang="en-US" altLang="zh-CN" dirty="0">
+                <a:latin typeface="微软雅黑" panose="020B0503020204020204" pitchFamily="34" charset="-122"/>
+                <a:ea typeface="微软雅黑" panose="020B0503020204020204" pitchFamily="34" charset="-122"/>
+              </a:rPr>
+              <a:t>"admin1","5100224821@qq.com","123456","123415“</a:t>
+            </a:r>
+          </a:p>
+          <a:p>
+            <a:r>
+              <a:rPr lang="en-US" altLang="zh-CN" dirty="0">
+                <a:latin typeface="微软雅黑" panose="020B0503020204020204" pitchFamily="34" charset="-122"/>
+                <a:ea typeface="微软雅黑" panose="020B0503020204020204" pitchFamily="34" charset="-122"/>
+              </a:rPr>
+              <a:t>"","5100224822@qq.com","123456","123456“</a:t>
+            </a:r>
+          </a:p>
+          <a:p>
+            <a:r>
+              <a:rPr lang="en-US" altLang="zh-CN" dirty="0">
+                <a:latin typeface="微软雅黑" panose="020B0503020204020204" pitchFamily="34" charset="-122"/>
+                <a:ea typeface="微软雅黑" panose="020B0503020204020204" pitchFamily="34" charset="-122"/>
+              </a:rPr>
+              <a:t>"admin2","","123456","123456“</a:t>
+            </a:r>
+          </a:p>
+          <a:p>
+            <a:r>
+              <a:rPr lang="en-US" altLang="zh-CN" dirty="0">
+                <a:latin typeface="微软雅黑" panose="020B0503020204020204" pitchFamily="34" charset="-122"/>
+                <a:ea typeface="微软雅黑" panose="020B0503020204020204" pitchFamily="34" charset="-122"/>
+              </a:rPr>
+              <a:t>"admin3","5100224823@qq.com","","123456“</a:t>
+            </a:r>
+          </a:p>
+          <a:p>
+            <a:r>
+              <a:rPr lang="en-US" altLang="zh-CN" dirty="0">
+                <a:latin typeface="微软雅黑" panose="020B0503020204020204" pitchFamily="34" charset="-122"/>
+                <a:ea typeface="微软雅黑" panose="020B0503020204020204" pitchFamily="34" charset="-122"/>
+              </a:rPr>
+              <a:t>"admin4","5100224823@qq.com","123456","“</a:t>
+            </a:r>
+          </a:p>
+          <a:p>
+            <a:r>
+              <a:rPr lang="en-US" altLang="zh-CN" dirty="0">
+                <a:latin typeface="微软雅黑" panose="020B0503020204020204" pitchFamily="34" charset="-122"/>
+                <a:ea typeface="微软雅黑" panose="020B0503020204020204" pitchFamily="34" charset="-122"/>
+              </a:rPr>
+              <a:t>"admin5","5100224824qq.com","123456","123456“</a:t>
+            </a:r>
+          </a:p>
+          <a:p>
+            <a:r>
+              <a:rPr lang="en-US" altLang="zh-CN" dirty="0">
+                <a:latin typeface="微软雅黑" panose="020B0503020204020204" pitchFamily="34" charset="-122"/>
+                <a:ea typeface="微软雅黑" panose="020B0503020204020204" pitchFamily="34" charset="-122"/>
+              </a:rPr>
+              <a:t>"admin","510022482@qq.com","123456","123456“</a:t>
+            </a:r>
+          </a:p>
+          <a:p>
+            <a:r>
+              <a:rPr lang="en-US" altLang="zh-CN" dirty="0">
+                <a:latin typeface="微软雅黑" panose="020B0503020204020204" pitchFamily="34" charset="-122"/>
+                <a:ea typeface="微软雅黑" panose="020B0503020204020204" pitchFamily="34" charset="-122"/>
+              </a:rPr>
+              <a:t>"admin","5100224825@qq.com","123456","123456“</a:t>
+            </a:r>
+          </a:p>
+          <a:p>
+            <a:r>
+              <a:rPr lang="en-US" altLang="zh-CN" dirty="0">
+                <a:latin typeface="微软雅黑" panose="020B0503020204020204" pitchFamily="34" charset="-122"/>
+                <a:ea typeface="微软雅黑" panose="020B0503020204020204" pitchFamily="34" charset="-122"/>
+              </a:rPr>
+              <a:t>"admin6","510022482@qq.com","123456","123456"</a:t>
+            </a:r>
           </a:p>
         </p:txBody>
       </p:sp>
@@ -9134,94 +9510,19 @@
           </a:prstGeom>
         </p:spPr>
       </p:pic>
-      <p:sp>
-        <p:nvSpPr>
-          <p:cNvPr id="5" name="内容占位符 4"/>
-          <p:cNvSpPr>
-            <a:spLocks noGrp="1"/>
-          </p:cNvSpPr>
-          <p:nvPr>
-            <p:ph idx="1"/>
-          </p:nvPr>
-        </p:nvSpPr>
-        <p:spPr>
-          <a:xfrm>
-            <a:off x="646111" y="1447800"/>
-            <a:ext cx="2565068" cy="538018"/>
-          </a:xfrm>
-        </p:spPr>
-        <p:txBody>
-          <a:bodyPr/>
-          <a:lstStyle/>
-          <a:p>
-            <a:r>
-              <a:rPr lang="zh-CN" altLang="en-US" dirty="0">
-                <a:latin typeface="微软雅黑" panose="020B0503020204020204" pitchFamily="34" charset="-122"/>
-                <a:ea typeface="微软雅黑" panose="020B0503020204020204" pitchFamily="34" charset="-122"/>
-              </a:rPr>
-              <a:t>注册测试</a:t>
-            </a:r>
-            <a:r>
-              <a:rPr lang="en-US" altLang="zh-CN" dirty="0">
-                <a:latin typeface="微软雅黑" panose="020B0503020204020204" pitchFamily="34" charset="-122"/>
-                <a:ea typeface="微软雅黑" panose="020B0503020204020204" pitchFamily="34" charset="-122"/>
-              </a:rPr>
-              <a:t>Junit</a:t>
-            </a:r>
-            <a:r>
-              <a:rPr lang="zh-CN" altLang="en-US" dirty="0">
-                <a:latin typeface="微软雅黑" panose="020B0503020204020204" pitchFamily="34" charset="-122"/>
-                <a:ea typeface="微软雅黑" panose="020B0503020204020204" pitchFamily="34" charset="-122"/>
-              </a:rPr>
-              <a:t>：</a:t>
-            </a:r>
-            <a:endParaRPr lang="en-US" altLang="zh-CN" dirty="0">
-              <a:latin typeface="微软雅黑" panose="020B0503020204020204" pitchFamily="34" charset="-122"/>
-              <a:ea typeface="微软雅黑" panose="020B0503020204020204" pitchFamily="34" charset="-122"/>
-            </a:endParaRPr>
-          </a:p>
-          <a:p>
-            <a:endParaRPr lang="zh-CN" altLang="en-US" dirty="0">
-              <a:latin typeface="微软雅黑" panose="020B0503020204020204" pitchFamily="34" charset="-122"/>
-              <a:ea typeface="微软雅黑" panose="020B0503020204020204" pitchFamily="34" charset="-122"/>
-            </a:endParaRPr>
-          </a:p>
-        </p:txBody>
-      </p:sp>
-      <p:pic>
-        <p:nvPicPr>
-          <p:cNvPr id="7" name="图片 6"/>
-          <p:cNvPicPr>
-            <a:picLocks noChangeAspect="1"/>
-          </p:cNvPicPr>
-          <p:nvPr/>
-        </p:nvPicPr>
-        <p:blipFill>
-          <a:blip r:embed="rId4"/>
-          <a:stretch>
-            <a:fillRect/>
-          </a:stretch>
-        </p:blipFill>
-        <p:spPr>
-          <a:xfrm>
-            <a:off x="3211178" y="1447801"/>
-            <a:ext cx="6989633" cy="5220854"/>
-          </a:xfrm>
-          <a:prstGeom prst="rect">
-            <a:avLst/>
-          </a:prstGeom>
-        </p:spPr>
-      </p:pic>
     </p:spTree>
     <p:extLst>
       <p:ext uri="{BB962C8B-B14F-4D97-AF65-F5344CB8AC3E}">
-        <p14:creationId xmlns:p14="http://schemas.microsoft.com/office/powerpoint/2010/main" val="108649020"/>
+        <p14:creationId xmlns:p14="http://schemas.microsoft.com/office/powerpoint/2010/main" val="161811455"/>
       </p:ext>
     </p:extLst>
   </p:cSld>
   <p:clrMapOvr>
     <a:masterClrMapping/>
   </p:clrMapOvr>
+  <p:transition spd="med">
+    <p:pull/>
+  </p:transition>
 </p:sld>
 </file>
 
@@ -9375,7 +9676,7 @@
       </p:sp>
       <p:pic>
         <p:nvPicPr>
-          <p:cNvPr id="3" name="图片 2"/>
+          <p:cNvPr id="7" name="图片 6"/>
           <p:cNvPicPr>
             <a:picLocks noChangeAspect="1"/>
           </p:cNvPicPr>
@@ -9389,8 +9690,8 @@
         </p:blipFill>
         <p:spPr>
           <a:xfrm>
-            <a:off x="3211179" y="1447799"/>
-            <a:ext cx="6989632" cy="2834729"/>
+            <a:off x="3211178" y="1447801"/>
+            <a:ext cx="6989633" cy="5220854"/>
           </a:xfrm>
           <a:prstGeom prst="rect">
             <a:avLst/>
@@ -9400,13 +9701,16 @@
     </p:spTree>
     <p:extLst>
       <p:ext uri="{BB962C8B-B14F-4D97-AF65-F5344CB8AC3E}">
-        <p14:creationId xmlns:p14="http://schemas.microsoft.com/office/powerpoint/2010/main" val="3089748074"/>
+        <p14:creationId xmlns:p14="http://schemas.microsoft.com/office/powerpoint/2010/main" val="108649020"/>
       </p:ext>
     </p:extLst>
   </p:cSld>
   <p:clrMapOvr>
     <a:masterClrMapping/>
   </p:clrMapOvr>
+  <p:transition spd="med">
+    <p:pull/>
+  </p:transition>
 </p:sld>
 </file>
 
@@ -9468,137 +9772,7 @@
               </a:rPr>
               <a:t>登录注册</a:t>
             </a:r>
-          </a:p>
-        </p:txBody>
-      </p:sp>
-      <p:sp>
-        <p:nvSpPr>
-          <p:cNvPr id="3" name="内容占位符 2"/>
-          <p:cNvSpPr>
-            <a:spLocks noGrp="1"/>
-          </p:cNvSpPr>
-          <p:nvPr>
-            <p:ph idx="1"/>
-          </p:nvPr>
-        </p:nvSpPr>
-        <p:spPr>
-          <a:xfrm>
-            <a:off x="646111" y="1447800"/>
-            <a:ext cx="9554700" cy="5211618"/>
-          </a:xfrm>
-        </p:spPr>
-        <p:txBody>
-          <a:bodyPr>
-            <a:normAutofit/>
-          </a:bodyPr>
-          <a:lstStyle/>
-          <a:p>
-            <a:r>
-              <a:rPr lang="zh-CN" altLang="en-US" dirty="0">
-                <a:latin typeface="微软雅黑" panose="020B0503020204020204" pitchFamily="34" charset="-122"/>
-                <a:ea typeface="微软雅黑" panose="020B0503020204020204" pitchFamily="34" charset="-122"/>
-              </a:rPr>
-              <a:t>模块名称：登录注册</a:t>
-            </a:r>
-            <a:endParaRPr lang="en-US" altLang="zh-CN" dirty="0">
-              <a:latin typeface="微软雅黑" panose="020B0503020204020204" pitchFamily="34" charset="-122"/>
-              <a:ea typeface="微软雅黑" panose="020B0503020204020204" pitchFamily="34" charset="-122"/>
-            </a:endParaRPr>
-          </a:p>
-          <a:p>
-            <a:r>
-              <a:rPr lang="zh-CN" altLang="en-US" dirty="0">
-                <a:latin typeface="微软雅黑" panose="020B0503020204020204" pitchFamily="34" charset="-122"/>
-                <a:ea typeface="微软雅黑" panose="020B0503020204020204" pitchFamily="34" charset="-122"/>
-              </a:rPr>
-              <a:t>功能名称：登录</a:t>
-            </a:r>
-            <a:endParaRPr lang="en-US" altLang="zh-CN" dirty="0">
-              <a:latin typeface="微软雅黑" panose="020B0503020204020204" pitchFamily="34" charset="-122"/>
-              <a:ea typeface="微软雅黑" panose="020B0503020204020204" pitchFamily="34" charset="-122"/>
-            </a:endParaRPr>
-          </a:p>
-          <a:p>
-            <a:r>
-              <a:rPr lang="zh-CN" altLang="en-US" dirty="0">
-                <a:latin typeface="微软雅黑" panose="020B0503020204020204" pitchFamily="34" charset="-122"/>
-                <a:ea typeface="微软雅黑" panose="020B0503020204020204" pitchFamily="34" charset="-122"/>
-              </a:rPr>
-              <a:t>测试输入格式：用户名，密码</a:t>
-            </a:r>
-            <a:endParaRPr lang="en-US" altLang="zh-CN" dirty="0">
-              <a:latin typeface="微软雅黑" panose="020B0503020204020204" pitchFamily="34" charset="-122"/>
-              <a:ea typeface="微软雅黑" panose="020B0503020204020204" pitchFamily="34" charset="-122"/>
-            </a:endParaRPr>
-          </a:p>
-          <a:p>
-            <a:r>
-              <a:rPr lang="zh-CN" altLang="en-US" dirty="0">
-                <a:latin typeface="微软雅黑" panose="020B0503020204020204" pitchFamily="34" charset="-122"/>
-                <a:ea typeface="微软雅黑" panose="020B0503020204020204" pitchFamily="34" charset="-122"/>
-              </a:rPr>
-              <a:t>测试样例：</a:t>
-            </a:r>
-            <a:endParaRPr lang="en-US" altLang="zh-CN" dirty="0"/>
-          </a:p>
-          <a:p>
-            <a:r>
-              <a:rPr lang="en-US" altLang="zh-CN" dirty="0">
-                <a:latin typeface="微软雅黑" panose="020B0503020204020204" pitchFamily="34" charset="-122"/>
-                <a:ea typeface="微软雅黑" panose="020B0503020204020204" pitchFamily="34" charset="-122"/>
-              </a:rPr>
-              <a:t>"","12345“</a:t>
-            </a:r>
-          </a:p>
-          <a:p>
-            <a:r>
-              <a:rPr lang="en-US" altLang="zh-CN" dirty="0">
-                <a:latin typeface="微软雅黑" panose="020B0503020204020204" pitchFamily="34" charset="-122"/>
-                <a:ea typeface="微软雅黑" panose="020B0503020204020204" pitchFamily="34" charset="-122"/>
-              </a:rPr>
-              <a:t>"admin","“</a:t>
-            </a:r>
-          </a:p>
-          <a:p>
-            <a:r>
-              <a:rPr lang="en-US" altLang="zh-CN" dirty="0">
-                <a:latin typeface="微软雅黑" panose="020B0503020204020204" pitchFamily="34" charset="-122"/>
-                <a:ea typeface="微软雅黑" panose="020B0503020204020204" pitchFamily="34" charset="-122"/>
-              </a:rPr>
-              <a:t>"a2333","12345"</a:t>
-            </a:r>
-          </a:p>
-          <a:p>
-            <a:r>
-              <a:rPr lang="en-US" altLang="zh-CN" dirty="0">
-                <a:latin typeface="微软雅黑" panose="020B0503020204020204" pitchFamily="34" charset="-122"/>
-                <a:ea typeface="微软雅黑" panose="020B0503020204020204" pitchFamily="34" charset="-122"/>
-              </a:rPr>
-              <a:t>"admin","12345"</a:t>
-            </a:r>
-          </a:p>
-          <a:p>
-            <a:r>
-              <a:rPr lang="en-US" altLang="zh-CN" dirty="0">
-                <a:latin typeface="微软雅黑" panose="020B0503020204020204" pitchFamily="34" charset="-122"/>
-                <a:ea typeface="微软雅黑" panose="020B0503020204020204" pitchFamily="34" charset="-122"/>
-              </a:rPr>
-              <a:t>"admin","</a:t>
-            </a:r>
-            <a:r>
-              <a:rPr lang="en-US" altLang="zh-CN" dirty="0" err="1">
-                <a:latin typeface="微软雅黑" panose="020B0503020204020204" pitchFamily="34" charset="-122"/>
-                <a:ea typeface="微软雅黑" panose="020B0503020204020204" pitchFamily="34" charset="-122"/>
-              </a:rPr>
-              <a:t>zucc</a:t>
-            </a:r>
-            <a:r>
-              <a:rPr lang="en-US" altLang="zh-CN" dirty="0">
-                <a:latin typeface="微软雅黑" panose="020B0503020204020204" pitchFamily="34" charset="-122"/>
-                <a:ea typeface="微软雅黑" panose="020B0503020204020204" pitchFamily="34" charset="-122"/>
-              </a:rPr>
-              <a:t>"</a:t>
-            </a:r>
+            <a:endParaRPr lang="zh-CN" altLang="en-US" dirty="0"/>
           </a:p>
         </p:txBody>
       </p:sp>
@@ -9634,16 +9808,97 @@
           </a:prstGeom>
         </p:spPr>
       </p:pic>
+      <p:sp>
+        <p:nvSpPr>
+          <p:cNvPr id="5" name="内容占位符 4"/>
+          <p:cNvSpPr>
+            <a:spLocks noGrp="1"/>
+          </p:cNvSpPr>
+          <p:nvPr>
+            <p:ph idx="1"/>
+          </p:nvPr>
+        </p:nvSpPr>
+        <p:spPr>
+          <a:xfrm>
+            <a:off x="646111" y="1447800"/>
+            <a:ext cx="2565068" cy="538018"/>
+          </a:xfrm>
+        </p:spPr>
+        <p:txBody>
+          <a:bodyPr/>
+          <a:lstStyle/>
+          <a:p>
+            <a:r>
+              <a:rPr lang="zh-CN" altLang="en-US" dirty="0">
+                <a:latin typeface="微软雅黑" panose="020B0503020204020204" pitchFamily="34" charset="-122"/>
+                <a:ea typeface="微软雅黑" panose="020B0503020204020204" pitchFamily="34" charset="-122"/>
+              </a:rPr>
+              <a:t>注册测试</a:t>
+            </a:r>
+            <a:r>
+              <a:rPr lang="en-US" altLang="zh-CN" dirty="0">
+                <a:latin typeface="微软雅黑" panose="020B0503020204020204" pitchFamily="34" charset="-122"/>
+                <a:ea typeface="微软雅黑" panose="020B0503020204020204" pitchFamily="34" charset="-122"/>
+              </a:rPr>
+              <a:t>Junit</a:t>
+            </a:r>
+            <a:r>
+              <a:rPr lang="zh-CN" altLang="en-US" dirty="0">
+                <a:latin typeface="微软雅黑" panose="020B0503020204020204" pitchFamily="34" charset="-122"/>
+                <a:ea typeface="微软雅黑" panose="020B0503020204020204" pitchFamily="34" charset="-122"/>
+              </a:rPr>
+              <a:t>：</a:t>
+            </a:r>
+            <a:endParaRPr lang="en-US" altLang="zh-CN" dirty="0">
+              <a:latin typeface="微软雅黑" panose="020B0503020204020204" pitchFamily="34" charset="-122"/>
+              <a:ea typeface="微软雅黑" panose="020B0503020204020204" pitchFamily="34" charset="-122"/>
+            </a:endParaRPr>
+          </a:p>
+          <a:p>
+            <a:endParaRPr lang="zh-CN" altLang="en-US" dirty="0">
+              <a:latin typeface="微软雅黑" panose="020B0503020204020204" pitchFamily="34" charset="-122"/>
+              <a:ea typeface="微软雅黑" panose="020B0503020204020204" pitchFamily="34" charset="-122"/>
+            </a:endParaRPr>
+          </a:p>
+        </p:txBody>
+      </p:sp>
+      <p:pic>
+        <p:nvPicPr>
+          <p:cNvPr id="3" name="图片 2"/>
+          <p:cNvPicPr>
+            <a:picLocks noChangeAspect="1"/>
+          </p:cNvPicPr>
+          <p:nvPr/>
+        </p:nvPicPr>
+        <p:blipFill>
+          <a:blip r:embed="rId4"/>
+          <a:stretch>
+            <a:fillRect/>
+          </a:stretch>
+        </p:blipFill>
+        <p:spPr>
+          <a:xfrm>
+            <a:off x="3211179" y="1447799"/>
+            <a:ext cx="6989632" cy="2834729"/>
+          </a:xfrm>
+          <a:prstGeom prst="rect">
+            <a:avLst/>
+          </a:prstGeom>
+        </p:spPr>
+      </p:pic>
     </p:spTree>
     <p:extLst>
       <p:ext uri="{BB962C8B-B14F-4D97-AF65-F5344CB8AC3E}">
-        <p14:creationId xmlns:p14="http://schemas.microsoft.com/office/powerpoint/2010/main" val="2425323909"/>
+        <p14:creationId xmlns:p14="http://schemas.microsoft.com/office/powerpoint/2010/main" val="3089748074"/>
       </p:ext>
     </p:extLst>
   </p:cSld>
   <p:clrMapOvr>
     <a:masterClrMapping/>
   </p:clrMapOvr>
+  <p:transition spd="med">
+    <p:pull/>
+  </p:transition>
 </p:sld>
 </file>
 
@@ -9705,7 +9960,137 @@
               </a:rPr>
               <a:t>登录注册</a:t>
             </a:r>
-            <a:endParaRPr lang="zh-CN" altLang="en-US" dirty="0"/>
+          </a:p>
+        </p:txBody>
+      </p:sp>
+      <p:sp>
+        <p:nvSpPr>
+          <p:cNvPr id="3" name="内容占位符 2"/>
+          <p:cNvSpPr>
+            <a:spLocks noGrp="1"/>
+          </p:cNvSpPr>
+          <p:nvPr>
+            <p:ph idx="1"/>
+          </p:nvPr>
+        </p:nvSpPr>
+        <p:spPr>
+          <a:xfrm>
+            <a:off x="646111" y="1447800"/>
+            <a:ext cx="9554700" cy="5211618"/>
+          </a:xfrm>
+        </p:spPr>
+        <p:txBody>
+          <a:bodyPr>
+            <a:normAutofit/>
+          </a:bodyPr>
+          <a:lstStyle/>
+          <a:p>
+            <a:r>
+              <a:rPr lang="zh-CN" altLang="en-US" dirty="0">
+                <a:latin typeface="微软雅黑" panose="020B0503020204020204" pitchFamily="34" charset="-122"/>
+                <a:ea typeface="微软雅黑" panose="020B0503020204020204" pitchFamily="34" charset="-122"/>
+              </a:rPr>
+              <a:t>模块名称：登录注册</a:t>
+            </a:r>
+            <a:endParaRPr lang="en-US" altLang="zh-CN" dirty="0">
+              <a:latin typeface="微软雅黑" panose="020B0503020204020204" pitchFamily="34" charset="-122"/>
+              <a:ea typeface="微软雅黑" panose="020B0503020204020204" pitchFamily="34" charset="-122"/>
+            </a:endParaRPr>
+          </a:p>
+          <a:p>
+            <a:r>
+              <a:rPr lang="zh-CN" altLang="en-US" dirty="0">
+                <a:latin typeface="微软雅黑" panose="020B0503020204020204" pitchFamily="34" charset="-122"/>
+                <a:ea typeface="微软雅黑" panose="020B0503020204020204" pitchFamily="34" charset="-122"/>
+              </a:rPr>
+              <a:t>功能名称：登录</a:t>
+            </a:r>
+            <a:endParaRPr lang="en-US" altLang="zh-CN" dirty="0">
+              <a:latin typeface="微软雅黑" panose="020B0503020204020204" pitchFamily="34" charset="-122"/>
+              <a:ea typeface="微软雅黑" panose="020B0503020204020204" pitchFamily="34" charset="-122"/>
+            </a:endParaRPr>
+          </a:p>
+          <a:p>
+            <a:r>
+              <a:rPr lang="zh-CN" altLang="en-US" dirty="0">
+                <a:latin typeface="微软雅黑" panose="020B0503020204020204" pitchFamily="34" charset="-122"/>
+                <a:ea typeface="微软雅黑" panose="020B0503020204020204" pitchFamily="34" charset="-122"/>
+              </a:rPr>
+              <a:t>测试输入格式：用户名，密码</a:t>
+            </a:r>
+            <a:endParaRPr lang="en-US" altLang="zh-CN" dirty="0">
+              <a:latin typeface="微软雅黑" panose="020B0503020204020204" pitchFamily="34" charset="-122"/>
+              <a:ea typeface="微软雅黑" panose="020B0503020204020204" pitchFamily="34" charset="-122"/>
+            </a:endParaRPr>
+          </a:p>
+          <a:p>
+            <a:r>
+              <a:rPr lang="zh-CN" altLang="en-US" dirty="0">
+                <a:latin typeface="微软雅黑" panose="020B0503020204020204" pitchFamily="34" charset="-122"/>
+                <a:ea typeface="微软雅黑" panose="020B0503020204020204" pitchFamily="34" charset="-122"/>
+              </a:rPr>
+              <a:t>测试样例：</a:t>
+            </a:r>
+            <a:endParaRPr lang="en-US" altLang="zh-CN" dirty="0"/>
+          </a:p>
+          <a:p>
+            <a:r>
+              <a:rPr lang="en-US" altLang="zh-CN" dirty="0">
+                <a:latin typeface="微软雅黑" panose="020B0503020204020204" pitchFamily="34" charset="-122"/>
+                <a:ea typeface="微软雅黑" panose="020B0503020204020204" pitchFamily="34" charset="-122"/>
+              </a:rPr>
+              <a:t>"","12345“</a:t>
+            </a:r>
+          </a:p>
+          <a:p>
+            <a:r>
+              <a:rPr lang="en-US" altLang="zh-CN" dirty="0">
+                <a:latin typeface="微软雅黑" panose="020B0503020204020204" pitchFamily="34" charset="-122"/>
+                <a:ea typeface="微软雅黑" panose="020B0503020204020204" pitchFamily="34" charset="-122"/>
+              </a:rPr>
+              <a:t>"admin","“</a:t>
+            </a:r>
+          </a:p>
+          <a:p>
+            <a:r>
+              <a:rPr lang="en-US" altLang="zh-CN" dirty="0">
+                <a:latin typeface="微软雅黑" panose="020B0503020204020204" pitchFamily="34" charset="-122"/>
+                <a:ea typeface="微软雅黑" panose="020B0503020204020204" pitchFamily="34" charset="-122"/>
+              </a:rPr>
+              <a:t>"a2333","12345"</a:t>
+            </a:r>
+          </a:p>
+          <a:p>
+            <a:r>
+              <a:rPr lang="en-US" altLang="zh-CN" dirty="0">
+                <a:latin typeface="微软雅黑" panose="020B0503020204020204" pitchFamily="34" charset="-122"/>
+                <a:ea typeface="微软雅黑" panose="020B0503020204020204" pitchFamily="34" charset="-122"/>
+              </a:rPr>
+              <a:t>"admin","12345"</a:t>
+            </a:r>
+          </a:p>
+          <a:p>
+            <a:r>
+              <a:rPr lang="en-US" altLang="zh-CN" dirty="0">
+                <a:latin typeface="微软雅黑" panose="020B0503020204020204" pitchFamily="34" charset="-122"/>
+                <a:ea typeface="微软雅黑" panose="020B0503020204020204" pitchFamily="34" charset="-122"/>
+              </a:rPr>
+              <a:t>"admin","</a:t>
+            </a:r>
+            <a:r>
+              <a:rPr lang="en-US" altLang="zh-CN" dirty="0" err="1">
+                <a:latin typeface="微软雅黑" panose="020B0503020204020204" pitchFamily="34" charset="-122"/>
+                <a:ea typeface="微软雅黑" panose="020B0503020204020204" pitchFamily="34" charset="-122"/>
+              </a:rPr>
+              <a:t>zucc</a:t>
+            </a:r>
+            <a:r>
+              <a:rPr lang="en-US" altLang="zh-CN" dirty="0">
+                <a:latin typeface="微软雅黑" panose="020B0503020204020204" pitchFamily="34" charset="-122"/>
+                <a:ea typeface="微软雅黑" panose="020B0503020204020204" pitchFamily="34" charset="-122"/>
+              </a:rPr>
+              <a:t>"</a:t>
+            </a:r>
           </a:p>
         </p:txBody>
       </p:sp>
@@ -9741,94 +10126,19 @@
           </a:prstGeom>
         </p:spPr>
       </p:pic>
-      <p:sp>
-        <p:nvSpPr>
-          <p:cNvPr id="5" name="内容占位符 4"/>
-          <p:cNvSpPr>
-            <a:spLocks noGrp="1"/>
-          </p:cNvSpPr>
-          <p:nvPr>
-            <p:ph idx="1"/>
-          </p:nvPr>
-        </p:nvSpPr>
-        <p:spPr>
-          <a:xfrm>
-            <a:off x="646111" y="1447800"/>
-            <a:ext cx="2565068" cy="538018"/>
-          </a:xfrm>
-        </p:spPr>
-        <p:txBody>
-          <a:bodyPr/>
-          <a:lstStyle/>
-          <a:p>
-            <a:r>
-              <a:rPr lang="zh-CN" altLang="en-US" dirty="0">
-                <a:latin typeface="微软雅黑" panose="020B0503020204020204" pitchFamily="34" charset="-122"/>
-                <a:ea typeface="微软雅黑" panose="020B0503020204020204" pitchFamily="34" charset="-122"/>
-              </a:rPr>
-              <a:t>登录测试</a:t>
-            </a:r>
-            <a:r>
-              <a:rPr lang="en-US" altLang="zh-CN" dirty="0">
-                <a:latin typeface="微软雅黑" panose="020B0503020204020204" pitchFamily="34" charset="-122"/>
-                <a:ea typeface="微软雅黑" panose="020B0503020204020204" pitchFamily="34" charset="-122"/>
-              </a:rPr>
-              <a:t>Junit</a:t>
-            </a:r>
-            <a:r>
-              <a:rPr lang="zh-CN" altLang="en-US" dirty="0">
-                <a:latin typeface="微软雅黑" panose="020B0503020204020204" pitchFamily="34" charset="-122"/>
-                <a:ea typeface="微软雅黑" panose="020B0503020204020204" pitchFamily="34" charset="-122"/>
-              </a:rPr>
-              <a:t>：</a:t>
-            </a:r>
-            <a:endParaRPr lang="en-US" altLang="zh-CN" dirty="0">
-              <a:latin typeface="微软雅黑" panose="020B0503020204020204" pitchFamily="34" charset="-122"/>
-              <a:ea typeface="微软雅黑" panose="020B0503020204020204" pitchFamily="34" charset="-122"/>
-            </a:endParaRPr>
-          </a:p>
-          <a:p>
-            <a:endParaRPr lang="zh-CN" altLang="en-US" dirty="0">
-              <a:latin typeface="微软雅黑" panose="020B0503020204020204" pitchFamily="34" charset="-122"/>
-              <a:ea typeface="微软雅黑" panose="020B0503020204020204" pitchFamily="34" charset="-122"/>
-            </a:endParaRPr>
-          </a:p>
-        </p:txBody>
-      </p:sp>
-      <p:pic>
-        <p:nvPicPr>
-          <p:cNvPr id="3" name="图片 2"/>
-          <p:cNvPicPr>
-            <a:picLocks noChangeAspect="1"/>
-          </p:cNvPicPr>
-          <p:nvPr/>
-        </p:nvPicPr>
-        <p:blipFill>
-          <a:blip r:embed="rId4"/>
-          <a:stretch>
-            <a:fillRect/>
-          </a:stretch>
-        </p:blipFill>
-        <p:spPr>
-          <a:xfrm>
-            <a:off x="3211178" y="1447800"/>
-            <a:ext cx="6839655" cy="3856320"/>
-          </a:xfrm>
-          <a:prstGeom prst="rect">
-            <a:avLst/>
-          </a:prstGeom>
-        </p:spPr>
-      </p:pic>
     </p:spTree>
     <p:extLst>
       <p:ext uri="{BB962C8B-B14F-4D97-AF65-F5344CB8AC3E}">
-        <p14:creationId xmlns:p14="http://schemas.microsoft.com/office/powerpoint/2010/main" val="496081996"/>
+        <p14:creationId xmlns:p14="http://schemas.microsoft.com/office/powerpoint/2010/main" val="2425323909"/>
       </p:ext>
     </p:extLst>
   </p:cSld>
   <p:clrMapOvr>
     <a:masterClrMapping/>
   </p:clrMapOvr>
+  <p:transition spd="med">
+    <p:pull/>
+  </p:transition>
 </p:sld>
 </file>
 
@@ -9894,49 +10204,9 @@
           </a:p>
         </p:txBody>
       </p:sp>
-      <p:sp>
-        <p:nvSpPr>
-          <p:cNvPr id="3" name="内容占位符 2"/>
-          <p:cNvSpPr>
-            <a:spLocks noGrp="1"/>
-          </p:cNvSpPr>
-          <p:nvPr>
-            <p:ph idx="1"/>
-          </p:nvPr>
-        </p:nvSpPr>
-        <p:spPr>
-          <a:xfrm>
-            <a:off x="646111" y="1447801"/>
-            <a:ext cx="9199853" cy="688973"/>
-          </a:xfrm>
-        </p:spPr>
-        <p:txBody>
-          <a:bodyPr/>
-          <a:lstStyle/>
-          <a:p>
-            <a:r>
-              <a:rPr lang="zh-CN" altLang="en-US" dirty="0">
-                <a:latin typeface="微软雅黑" panose="020B0503020204020204" pitchFamily="34" charset="-122"/>
-                <a:ea typeface="微软雅黑" panose="020B0503020204020204" pitchFamily="34" charset="-122"/>
-              </a:rPr>
-              <a:t>登录注册模块测试结果：</a:t>
-            </a:r>
-            <a:endParaRPr lang="en-US" altLang="zh-CN" dirty="0">
-              <a:latin typeface="微软雅黑" panose="020B0503020204020204" pitchFamily="34" charset="-122"/>
-              <a:ea typeface="微软雅黑" panose="020B0503020204020204" pitchFamily="34" charset="-122"/>
-            </a:endParaRPr>
-          </a:p>
-          <a:p>
-            <a:endParaRPr lang="zh-CN" altLang="en-US" dirty="0">
-              <a:latin typeface="微软雅黑" panose="020B0503020204020204" pitchFamily="34" charset="-122"/>
-              <a:ea typeface="微软雅黑" panose="020B0503020204020204" pitchFamily="34" charset="-122"/>
-            </a:endParaRPr>
-          </a:p>
-        </p:txBody>
-      </p:sp>
       <p:pic>
         <p:nvPicPr>
-          <p:cNvPr id="5" name="图片 4">
+          <p:cNvPr id="4" name="图片 3">
             <a:hlinkClick r:id="rId2" action="ppaction://hlinksldjump"/>
           </p:cNvPr>
           <p:cNvPicPr>
@@ -9966,70 +10236,97 @@
           </a:prstGeom>
         </p:spPr>
       </p:pic>
+      <p:sp>
+        <p:nvSpPr>
+          <p:cNvPr id="5" name="内容占位符 4"/>
+          <p:cNvSpPr>
+            <a:spLocks noGrp="1"/>
+          </p:cNvSpPr>
+          <p:nvPr>
+            <p:ph idx="1"/>
+          </p:nvPr>
+        </p:nvSpPr>
+        <p:spPr>
+          <a:xfrm>
+            <a:off x="646111" y="1447800"/>
+            <a:ext cx="2565068" cy="538018"/>
+          </a:xfrm>
+        </p:spPr>
+        <p:txBody>
+          <a:bodyPr/>
+          <a:lstStyle/>
+          <a:p>
+            <a:r>
+              <a:rPr lang="zh-CN" altLang="en-US" dirty="0">
+                <a:latin typeface="微软雅黑" panose="020B0503020204020204" pitchFamily="34" charset="-122"/>
+                <a:ea typeface="微软雅黑" panose="020B0503020204020204" pitchFamily="34" charset="-122"/>
+              </a:rPr>
+              <a:t>登录测试</a:t>
+            </a:r>
+            <a:r>
+              <a:rPr lang="en-US" altLang="zh-CN" dirty="0">
+                <a:latin typeface="微软雅黑" panose="020B0503020204020204" pitchFamily="34" charset="-122"/>
+                <a:ea typeface="微软雅黑" panose="020B0503020204020204" pitchFamily="34" charset="-122"/>
+              </a:rPr>
+              <a:t>Junit</a:t>
+            </a:r>
+            <a:r>
+              <a:rPr lang="zh-CN" altLang="en-US" dirty="0">
+                <a:latin typeface="微软雅黑" panose="020B0503020204020204" pitchFamily="34" charset="-122"/>
+                <a:ea typeface="微软雅黑" panose="020B0503020204020204" pitchFamily="34" charset="-122"/>
+              </a:rPr>
+              <a:t>：</a:t>
+            </a:r>
+            <a:endParaRPr lang="en-US" altLang="zh-CN" dirty="0">
+              <a:latin typeface="微软雅黑" panose="020B0503020204020204" pitchFamily="34" charset="-122"/>
+              <a:ea typeface="微软雅黑" panose="020B0503020204020204" pitchFamily="34" charset="-122"/>
+            </a:endParaRPr>
+          </a:p>
+          <a:p>
+            <a:endParaRPr lang="zh-CN" altLang="en-US" dirty="0">
+              <a:latin typeface="微软雅黑" panose="020B0503020204020204" pitchFamily="34" charset="-122"/>
+              <a:ea typeface="微软雅黑" panose="020B0503020204020204" pitchFamily="34" charset="-122"/>
+            </a:endParaRPr>
+          </a:p>
+        </p:txBody>
+      </p:sp>
       <p:pic>
         <p:nvPicPr>
-          <p:cNvPr id="1026" name="图片 1"/>
+          <p:cNvPr id="3" name="图片 2"/>
           <p:cNvPicPr>
-            <a:picLocks noChangeAspect="1" noChangeArrowheads="1"/>
+            <a:picLocks noChangeAspect="1"/>
           </p:cNvPicPr>
           <p:nvPr/>
         </p:nvPicPr>
         <p:blipFill>
-          <a:blip r:embed="rId4">
-            <a:extLst>
-              <a:ext uri="{28A0092B-C50C-407E-A947-70E740481C1C}">
-                <a14:useLocalDpi xmlns:a14="http://schemas.microsoft.com/office/drawing/2010/main" val="0"/>
-              </a:ext>
-            </a:extLst>
-          </a:blip>
-          <a:srcRect/>
+          <a:blip r:embed="rId4"/>
           <a:stretch>
             <a:fillRect/>
           </a:stretch>
         </p:blipFill>
-        <p:spPr bwMode="auto">
-          <a:xfrm>
-            <a:off x="632336" y="2136774"/>
-            <a:ext cx="9568483" cy="1059008"/>
+        <p:spPr>
+          <a:xfrm>
+            <a:off x="3211178" y="1447800"/>
+            <a:ext cx="6839655" cy="3856320"/>
           </a:xfrm>
           <a:prstGeom prst="rect">
             <a:avLst/>
           </a:prstGeom>
-          <a:noFill/>
-          <a:ln>
-            <a:noFill/>
-          </a:ln>
-          <a:extLst>
-            <a:ext uri="{909E8E84-426E-40DD-AFC4-6F175D3DCCD1}">
-              <a14:hiddenFill xmlns:a14="http://schemas.microsoft.com/office/drawing/2010/main">
-                <a:solidFill>
-                  <a:srgbClr val="FFFFFF"/>
-                </a:solidFill>
-              </a14:hiddenFill>
-            </a:ext>
-            <a:ext uri="{91240B29-F687-4F45-9708-019B960494DF}">
-              <a14:hiddenLine xmlns:a14="http://schemas.microsoft.com/office/drawing/2010/main" w="9525">
-                <a:solidFill>
-                  <a:srgbClr val="000000"/>
-                </a:solidFill>
-                <a:miter lim="800000"/>
-                <a:headEnd/>
-                <a:tailEnd/>
-              </a14:hiddenLine>
-            </a:ext>
-          </a:extLst>
         </p:spPr>
       </p:pic>
     </p:spTree>
     <p:extLst>
       <p:ext uri="{BB962C8B-B14F-4D97-AF65-F5344CB8AC3E}">
-        <p14:creationId xmlns:p14="http://schemas.microsoft.com/office/powerpoint/2010/main" val="580526153"/>
+        <p14:creationId xmlns:p14="http://schemas.microsoft.com/office/powerpoint/2010/main" val="496081996"/>
       </p:ext>
     </p:extLst>
   </p:cSld>
   <p:clrMapOvr>
     <a:masterClrMapping/>
   </p:clrMapOvr>
+  <p:transition spd="med">
+    <p:pull/>
+  </p:transition>
 </p:sld>
 </file>
 
